--- a/PythonDAX/2 Data Analysis Pandas Function.pptx
+++ b/PythonDAX/2 Data Analysis Pandas Function.pptx
@@ -5,7 +5,7 @@
     <p:sldMasterId id="2147483660" r:id="rId1"/>
   </p:sldMasterIdLst>
   <p:notesMasterIdLst>
-    <p:notesMasterId r:id="rId12"/>
+    <p:notesMasterId r:id="rId15"/>
   </p:notesMasterIdLst>
   <p:sldIdLst>
     <p:sldId id="256" r:id="rId2"/>
@@ -18,6 +18,9 @@
     <p:sldId id="282" r:id="rId9"/>
     <p:sldId id="283" r:id="rId10"/>
     <p:sldId id="284" r:id="rId11"/>
+    <p:sldId id="285" r:id="rId12"/>
+    <p:sldId id="286" r:id="rId13"/>
+    <p:sldId id="287" r:id="rId14"/>
   </p:sldIdLst>
   <p:sldSz cx="12192000" cy="6858000"/>
   <p:notesSz cx="6858000" cy="9144000"/>
@@ -206,7 +209,7 @@
           <a:p>
             <a:fld id="{9FC9D99C-A733-44A6-BB48-3B953BC9D4AD}" type="datetimeFigureOut">
               <a:rPr lang="en-US" smtClean="0"/>
-              <a:t>02-Mar-25</a:t>
+              <a:t>3/3/2025</a:t>
             </a:fld>
             <a:endParaRPr lang="en-US"/>
           </a:p>
@@ -1299,7 +1302,7 @@
           <a:p>
             <a:fld id="{CD421B04-6F62-470E-96F9-AF92FFC3E979}" type="datetimeFigureOut">
               <a:rPr lang="en-US" smtClean="0"/>
-              <a:t>02-Mar-25</a:t>
+              <a:t>3/3/2025</a:t>
             </a:fld>
             <a:endParaRPr lang="en-US"/>
           </a:p>
@@ -1595,7 +1598,7 @@
           <a:p>
             <a:fld id="{CD421B04-6F62-470E-96F9-AF92FFC3E979}" type="datetimeFigureOut">
               <a:rPr lang="en-US" smtClean="0"/>
-              <a:t>02-Mar-25</a:t>
+              <a:t>3/3/2025</a:t>
             </a:fld>
             <a:endParaRPr lang="en-US"/>
           </a:p>
@@ -1843,7 +1846,7 @@
           <a:p>
             <a:fld id="{CD421B04-6F62-470E-96F9-AF92FFC3E979}" type="datetimeFigureOut">
               <a:rPr lang="en-US" smtClean="0"/>
-              <a:t>02-Mar-25</a:t>
+              <a:t>3/3/2025</a:t>
             </a:fld>
             <a:endParaRPr lang="en-US"/>
           </a:p>
@@ -2383,7 +2386,7 @@
           <a:p>
             <a:fld id="{CD421B04-6F62-470E-96F9-AF92FFC3E979}" type="datetimeFigureOut">
               <a:rPr lang="en-US" smtClean="0"/>
-              <a:t>02-Mar-25</a:t>
+              <a:t>3/3/2025</a:t>
             </a:fld>
             <a:endParaRPr lang="en-US"/>
           </a:p>
@@ -2631,7 +2634,7 @@
           <a:p>
             <a:fld id="{CD421B04-6F62-470E-96F9-AF92FFC3E979}" type="datetimeFigureOut">
               <a:rPr lang="en-US" smtClean="0"/>
-              <a:t>02-Mar-25</a:t>
+              <a:t>3/3/2025</a:t>
             </a:fld>
             <a:endParaRPr lang="en-US"/>
           </a:p>
@@ -3163,7 +3166,7 @@
           <a:p>
             <a:fld id="{CD421B04-6F62-470E-96F9-AF92FFC3E979}" type="datetimeFigureOut">
               <a:rPr lang="en-US" smtClean="0"/>
-              <a:t>02-Mar-25</a:t>
+              <a:t>3/3/2025</a:t>
             </a:fld>
             <a:endParaRPr lang="en-US"/>
           </a:p>
@@ -3460,7 +3463,7 @@
           <a:p>
             <a:fld id="{CD421B04-6F62-470E-96F9-AF92FFC3E979}" type="datetimeFigureOut">
               <a:rPr lang="en-US" smtClean="0"/>
-              <a:t>02-Mar-25</a:t>
+              <a:t>3/3/2025</a:t>
             </a:fld>
             <a:endParaRPr lang="en-US"/>
           </a:p>
@@ -3634,7 +3637,7 @@
           <a:p>
             <a:fld id="{CD421B04-6F62-470E-96F9-AF92FFC3E979}" type="datetimeFigureOut">
               <a:rPr lang="en-US" smtClean="0"/>
-              <a:t>02-Mar-25</a:t>
+              <a:t>3/3/2025</a:t>
             </a:fld>
             <a:endParaRPr lang="en-US"/>
           </a:p>
@@ -3814,7 +3817,7 @@
           <a:p>
             <a:fld id="{CD421B04-6F62-470E-96F9-AF92FFC3E979}" type="datetimeFigureOut">
               <a:rPr lang="en-US" smtClean="0"/>
-              <a:t>02-Mar-25</a:t>
+              <a:t>3/3/2025</a:t>
             </a:fld>
             <a:endParaRPr lang="en-US"/>
           </a:p>
@@ -3984,7 +3987,7 @@
           <a:p>
             <a:fld id="{CD421B04-6F62-470E-96F9-AF92FFC3E979}" type="datetimeFigureOut">
               <a:rPr lang="en-US" smtClean="0"/>
-              <a:t>02-Mar-25</a:t>
+              <a:t>3/3/2025</a:t>
             </a:fld>
             <a:endParaRPr lang="en-US"/>
           </a:p>
@@ -4235,7 +4238,7 @@
           <a:p>
             <a:fld id="{CD421B04-6F62-470E-96F9-AF92FFC3E979}" type="datetimeFigureOut">
               <a:rPr lang="en-US" smtClean="0"/>
-              <a:t>02-Mar-25</a:t>
+              <a:t>3/3/2025</a:t>
             </a:fld>
             <a:endParaRPr lang="en-US"/>
           </a:p>
@@ -4532,7 +4535,7 @@
           <a:p>
             <a:fld id="{CD421B04-6F62-470E-96F9-AF92FFC3E979}" type="datetimeFigureOut">
               <a:rPr lang="en-US" smtClean="0"/>
-              <a:t>02-Mar-25</a:t>
+              <a:t>3/3/2025</a:t>
             </a:fld>
             <a:endParaRPr lang="en-US"/>
           </a:p>
@@ -4974,7 +4977,7 @@
           <a:p>
             <a:fld id="{CD421B04-6F62-470E-96F9-AF92FFC3E979}" type="datetimeFigureOut">
               <a:rPr lang="en-US" smtClean="0"/>
-              <a:t>02-Mar-25</a:t>
+              <a:t>3/3/2025</a:t>
             </a:fld>
             <a:endParaRPr lang="en-US"/>
           </a:p>
@@ -5092,7 +5095,7 @@
           <a:p>
             <a:fld id="{CD421B04-6F62-470E-96F9-AF92FFC3E979}" type="datetimeFigureOut">
               <a:rPr lang="en-US" smtClean="0"/>
-              <a:t>02-Mar-25</a:t>
+              <a:t>3/3/2025</a:t>
             </a:fld>
             <a:endParaRPr lang="en-US"/>
           </a:p>
@@ -5187,7 +5190,7 @@
           <a:p>
             <a:fld id="{CD421B04-6F62-470E-96F9-AF92FFC3E979}" type="datetimeFigureOut">
               <a:rPr lang="en-US" smtClean="0"/>
-              <a:t>02-Mar-25</a:t>
+              <a:t>3/3/2025</a:t>
             </a:fld>
             <a:endParaRPr lang="en-US"/>
           </a:p>
@@ -5470,7 +5473,7 @@
           <a:p>
             <a:fld id="{CD421B04-6F62-470E-96F9-AF92FFC3E979}" type="datetimeFigureOut">
               <a:rPr lang="en-US" smtClean="0"/>
-              <a:t>02-Mar-25</a:t>
+              <a:t>3/3/2025</a:t>
             </a:fld>
             <a:endParaRPr lang="en-US"/>
           </a:p>
@@ -5761,7 +5764,7 @@
           <a:p>
             <a:fld id="{CD421B04-6F62-470E-96F9-AF92FFC3E979}" type="datetimeFigureOut">
               <a:rPr lang="en-US" smtClean="0"/>
-              <a:t>02-Mar-25</a:t>
+              <a:t>3/3/2025</a:t>
             </a:fld>
             <a:endParaRPr lang="en-US"/>
           </a:p>
@@ -6291,7 +6294,7 @@
           <a:p>
             <a:fld id="{CD421B04-6F62-470E-96F9-AF92FFC3E979}" type="datetimeFigureOut">
               <a:rPr lang="en-US" smtClean="0"/>
-              <a:t>02-Mar-25</a:t>
+              <a:t>3/3/2025</a:t>
             </a:fld>
             <a:endParaRPr lang="en-US"/>
           </a:p>
@@ -6932,10 +6935,9 @@
           <a:p>
             <a:pPr algn="l"/>
             <a:r>
-              <a:rPr lang="en-US" b="1" dirty="0" smtClean="0"/>
+              <a:rPr lang="en-US" b="1" dirty="0"/>
               <a:t>assign() : example</a:t>
             </a:r>
-            <a:endParaRPr lang="en-US" b="1" dirty="0"/>
           </a:p>
         </p:txBody>
       </p:sp>
@@ -7118,9 +7120,6 @@
               </a:rPr>
               <a:t>(Name = ['Smith', 'Parker', 'John']) </a:t>
             </a:r>
-            <a:endParaRPr lang="en-US" sz="1400" dirty="0" smtClean="0">
-              <a:latin typeface="Consolas" panose="020B0609020204030204" pitchFamily="49" charset="0"/>
-            </a:endParaRPr>
           </a:p>
         </p:txBody>
       </p:sp>
@@ -7161,6 +7160,1037 @@
 </p:sld>
 </file>
 
+<file path=ppt/slides/slide11.xml><?xml version="1.0" encoding="utf-8"?>
+<p:sld xmlns:a="http://schemas.openxmlformats.org/drawingml/2006/main" xmlns:r="http://schemas.openxmlformats.org/officeDocument/2006/relationships" xmlns:p="http://schemas.openxmlformats.org/presentationml/2006/main">
+  <p:cSld>
+    <p:spTree>
+      <p:nvGrpSpPr>
+        <p:cNvPr id="1" name="">
+          <a:extLst>
+            <a:ext uri="{FF2B5EF4-FFF2-40B4-BE49-F238E27FC236}">
+              <a16:creationId xmlns:a16="http://schemas.microsoft.com/office/drawing/2014/main" id="{4D00D159-A357-33FB-3286-20BC61758F55}"/>
+            </a:ext>
+          </a:extLst>
+        </p:cNvPr>
+        <p:cNvGrpSpPr/>
+        <p:nvPr/>
+      </p:nvGrpSpPr>
+      <p:grpSpPr>
+        <a:xfrm>
+          <a:off x="0" y="0"/>
+          <a:ext cx="0" cy="0"/>
+          <a:chOff x="0" y="0"/>
+          <a:chExt cx="0" cy="0"/>
+        </a:xfrm>
+      </p:grpSpPr>
+      <p:sp>
+        <p:nvSpPr>
+          <p:cNvPr id="2" name="Title 1">
+            <a:extLst>
+              <a:ext uri="{FF2B5EF4-FFF2-40B4-BE49-F238E27FC236}">
+                <a16:creationId xmlns:a16="http://schemas.microsoft.com/office/drawing/2014/main" id="{BCE091C1-29F8-8336-1635-577663041DBD}"/>
+              </a:ext>
+            </a:extLst>
+          </p:cNvPr>
+          <p:cNvSpPr>
+            <a:spLocks noGrp="1"/>
+          </p:cNvSpPr>
+          <p:nvPr>
+            <p:ph type="title"/>
+          </p:nvPr>
+        </p:nvSpPr>
+        <p:spPr>
+          <a:xfrm>
+            <a:off x="1484312" y="685800"/>
+            <a:ext cx="10018712" cy="611155"/>
+          </a:xfrm>
+        </p:spPr>
+        <p:txBody>
+          <a:bodyPr>
+            <a:normAutofit fontScale="90000"/>
+          </a:bodyPr>
+          <a:lstStyle/>
+          <a:p>
+            <a:pPr algn="l"/>
+            <a:r>
+              <a:rPr lang="en-US" b="1" dirty="0"/>
+              <a:t>count() :</a:t>
+            </a:r>
+          </a:p>
+        </p:txBody>
+      </p:sp>
+      <p:sp>
+        <p:nvSpPr>
+          <p:cNvPr id="3" name="Content Placeholder 2">
+            <a:extLst>
+              <a:ext uri="{FF2B5EF4-FFF2-40B4-BE49-F238E27FC236}">
+                <a16:creationId xmlns:a16="http://schemas.microsoft.com/office/drawing/2014/main" id="{991EFBBD-F901-9BE4-EFD4-84A21101A36D}"/>
+              </a:ext>
+            </a:extLst>
+          </p:cNvPr>
+          <p:cNvSpPr>
+            <a:spLocks noGrp="1"/>
+          </p:cNvSpPr>
+          <p:nvPr>
+            <p:ph idx="1"/>
+          </p:nvPr>
+        </p:nvSpPr>
+        <p:spPr>
+          <a:xfrm>
+            <a:off x="1484312" y="1632858"/>
+            <a:ext cx="6583056" cy="844871"/>
+          </a:xfrm>
+          <a:ln w="28575">
+            <a:solidFill>
+              <a:srgbClr val="00B0F0"/>
+            </a:solidFill>
+          </a:ln>
+        </p:spPr>
+        <p:txBody>
+          <a:bodyPr>
+            <a:noAutofit/>
+          </a:bodyPr>
+          <a:lstStyle/>
+          <a:p>
+            <a:r>
+              <a:rPr lang="en-US" sz="1400" dirty="0" err="1">
+                <a:latin typeface="Consolas" panose="020B0609020204030204" pitchFamily="49" charset="0"/>
+              </a:rPr>
+              <a:t>DataFrame.count</a:t>
+            </a:r>
+            <a:r>
+              <a:rPr lang="en-US" sz="1400" dirty="0">
+                <a:latin typeface="Consolas" panose="020B0609020204030204" pitchFamily="49" charset="0"/>
+              </a:rPr>
+              <a:t>(axis=0, level=None, </a:t>
+            </a:r>
+            <a:r>
+              <a:rPr lang="en-US" sz="1400" dirty="0" err="1">
+                <a:latin typeface="Consolas" panose="020B0609020204030204" pitchFamily="49" charset="0"/>
+              </a:rPr>
+              <a:t>numeric_only</a:t>
+            </a:r>
+            <a:r>
+              <a:rPr lang="en-US" sz="1400" dirty="0">
+                <a:latin typeface="Consolas" panose="020B0609020204030204" pitchFamily="49" charset="0"/>
+              </a:rPr>
+              <a:t>=False) </a:t>
+            </a:r>
+          </a:p>
+        </p:txBody>
+      </p:sp>
+      <p:sp>
+        <p:nvSpPr>
+          <p:cNvPr id="5" name="TextBox 4">
+            <a:extLst>
+              <a:ext uri="{FF2B5EF4-FFF2-40B4-BE49-F238E27FC236}">
+                <a16:creationId xmlns:a16="http://schemas.microsoft.com/office/drawing/2014/main" id="{9DED2D29-BD1A-4D5D-F881-00D642AB9153}"/>
+              </a:ext>
+            </a:extLst>
+          </p:cNvPr>
+          <p:cNvSpPr txBox="1"/>
+          <p:nvPr/>
+        </p:nvSpPr>
+        <p:spPr>
+          <a:xfrm>
+            <a:off x="1484312" y="2916818"/>
+            <a:ext cx="10018712" cy="2554545"/>
+          </a:xfrm>
+          <a:prstGeom prst="rect">
+            <a:avLst/>
+          </a:prstGeom>
+          <a:noFill/>
+          <a:ln>
+            <a:solidFill>
+              <a:schemeClr val="accent1"/>
+            </a:solidFill>
+          </a:ln>
+        </p:spPr>
+        <p:txBody>
+          <a:bodyPr wrap="square" rtlCol="0">
+            <a:spAutoFit/>
+          </a:bodyPr>
+          <a:lstStyle/>
+          <a:p>
+            <a:pPr>
+              <a:buFont typeface="Arial" panose="020B0604020202020204" pitchFamily="34" charset="0"/>
+              <a:buChar char="•"/>
+            </a:pPr>
+            <a:r>
+              <a:rPr lang="en-US" sz="2000" b="1" i="0" dirty="0">
+                <a:solidFill>
+                  <a:srgbClr val="333333"/>
+                </a:solidFill>
+                <a:effectLst/>
+                <a:latin typeface="Inter-Regular"/>
+              </a:rPr>
+              <a:t>axis:</a:t>
+            </a:r>
+            <a:r>
+              <a:rPr lang="en-US" sz="2000" b="0" i="0" dirty="0">
+                <a:solidFill>
+                  <a:srgbClr val="333333"/>
+                </a:solidFill>
+                <a:effectLst/>
+                <a:latin typeface="Inter-Regular"/>
+              </a:rPr>
+              <a:t> </a:t>
+            </a:r>
+            <a:r>
+              <a:rPr lang="en-US" sz="2000" b="0" i="1" dirty="0">
+                <a:solidFill>
+                  <a:srgbClr val="333333"/>
+                </a:solidFill>
+                <a:effectLst/>
+                <a:latin typeface="Inter-Regular"/>
+              </a:rPr>
+              <a:t>{0 or 'index', 1 or 'columns'}, default value 0</a:t>
+            </a:r>
+            <a:br>
+              <a:rPr lang="en-US" sz="2000" b="0" i="0" dirty="0">
+                <a:solidFill>
+                  <a:srgbClr val="333333"/>
+                </a:solidFill>
+                <a:effectLst/>
+                <a:latin typeface="Inter-Regular"/>
+              </a:rPr>
+            </a:br>
+            <a:r>
+              <a:rPr lang="en-US" sz="2000" b="0" i="0" dirty="0">
+                <a:solidFill>
+                  <a:srgbClr val="333333"/>
+                </a:solidFill>
+                <a:effectLst/>
+                <a:latin typeface="Inter-Regular"/>
+              </a:rPr>
+              <a:t>0 or 'index' is used for row-wise, whereas 1 or 'columns' is used for column-wise.</a:t>
+            </a:r>
+          </a:p>
+          <a:p>
+            <a:pPr>
+              <a:buFont typeface="Arial" panose="020B0604020202020204" pitchFamily="34" charset="0"/>
+              <a:buChar char="•"/>
+            </a:pPr>
+            <a:r>
+              <a:rPr lang="en-US" sz="2000" b="1" i="0" dirty="0">
+                <a:solidFill>
+                  <a:srgbClr val="333333"/>
+                </a:solidFill>
+                <a:effectLst/>
+                <a:latin typeface="Inter-Regular"/>
+              </a:rPr>
+              <a:t>level:</a:t>
+            </a:r>
+            <a:r>
+              <a:rPr lang="en-US" sz="2000" b="0" i="0" dirty="0">
+                <a:solidFill>
+                  <a:srgbClr val="333333"/>
+                </a:solidFill>
+                <a:effectLst/>
+                <a:latin typeface="Inter-Regular"/>
+              </a:rPr>
+              <a:t> </a:t>
+            </a:r>
+            <a:r>
+              <a:rPr lang="en-US" sz="2000" b="0" i="1" dirty="0">
+                <a:solidFill>
+                  <a:srgbClr val="333333"/>
+                </a:solidFill>
+                <a:effectLst/>
+                <a:latin typeface="Inter-Regular"/>
+              </a:rPr>
+              <a:t>int or str</a:t>
+            </a:r>
+            <a:br>
+              <a:rPr lang="en-US" sz="2000" b="0" i="0" dirty="0">
+                <a:solidFill>
+                  <a:srgbClr val="333333"/>
+                </a:solidFill>
+                <a:effectLst/>
+                <a:latin typeface="Inter-Regular"/>
+              </a:rPr>
+            </a:br>
+            <a:r>
+              <a:rPr lang="en-US" sz="2000" b="0" i="0" dirty="0">
+                <a:solidFill>
+                  <a:srgbClr val="333333"/>
+                </a:solidFill>
+                <a:effectLst/>
+                <a:latin typeface="Inter-Regular"/>
+              </a:rPr>
+              <a:t>It is an optional parameter. If an axis is hierarchical, it counts along with the particular level and collapsing into the </a:t>
+            </a:r>
+            <a:r>
+              <a:rPr lang="en-US" sz="2000" b="0" i="0" dirty="0" err="1">
+                <a:solidFill>
+                  <a:srgbClr val="333333"/>
+                </a:solidFill>
+                <a:effectLst/>
+                <a:latin typeface="Inter-Regular"/>
+              </a:rPr>
+              <a:t>DataFrame</a:t>
+            </a:r>
+            <a:r>
+              <a:rPr lang="en-US" sz="2000" b="0" i="0" dirty="0">
+                <a:solidFill>
+                  <a:srgbClr val="333333"/>
+                </a:solidFill>
+                <a:effectLst/>
+                <a:latin typeface="Inter-Regular"/>
+              </a:rPr>
+              <a:t>.</a:t>
+            </a:r>
+          </a:p>
+          <a:p>
+            <a:pPr>
+              <a:buFont typeface="Arial" panose="020B0604020202020204" pitchFamily="34" charset="0"/>
+              <a:buChar char="•"/>
+            </a:pPr>
+            <a:r>
+              <a:rPr lang="en-US" sz="2000" b="1" i="0" dirty="0" err="1">
+                <a:solidFill>
+                  <a:srgbClr val="333333"/>
+                </a:solidFill>
+                <a:effectLst/>
+                <a:latin typeface="Inter-Regular"/>
+              </a:rPr>
+              <a:t>numeric_only</a:t>
+            </a:r>
+            <a:r>
+              <a:rPr lang="en-US" sz="2000" b="1" i="0" dirty="0">
+                <a:solidFill>
+                  <a:srgbClr val="333333"/>
+                </a:solidFill>
+                <a:effectLst/>
+                <a:latin typeface="Inter-Regular"/>
+              </a:rPr>
+              <a:t>:</a:t>
+            </a:r>
+            <a:r>
+              <a:rPr lang="en-US" sz="2000" b="0" i="0" dirty="0">
+                <a:solidFill>
+                  <a:srgbClr val="333333"/>
+                </a:solidFill>
+                <a:effectLst/>
+                <a:latin typeface="Inter-Regular"/>
+              </a:rPr>
+              <a:t> </a:t>
+            </a:r>
+            <a:r>
+              <a:rPr lang="en-US" sz="2000" b="0" i="1" dirty="0">
+                <a:solidFill>
+                  <a:srgbClr val="333333"/>
+                </a:solidFill>
+                <a:effectLst/>
+                <a:latin typeface="Inter-Regular"/>
+              </a:rPr>
+              <a:t>bool, default value False</a:t>
+            </a:r>
+            <a:br>
+              <a:rPr lang="en-US" sz="2000" b="0" i="0" dirty="0">
+                <a:solidFill>
+                  <a:srgbClr val="333333"/>
+                </a:solidFill>
+                <a:effectLst/>
+                <a:latin typeface="Inter-Regular"/>
+              </a:rPr>
+            </a:br>
+            <a:r>
+              <a:rPr lang="en-US" sz="2000" b="0" i="0" dirty="0">
+                <a:solidFill>
+                  <a:srgbClr val="333333"/>
+                </a:solidFill>
+                <a:effectLst/>
+                <a:latin typeface="Inter-Regular"/>
+              </a:rPr>
+              <a:t>It only includes int, float, or Boolean data.</a:t>
+            </a:r>
+          </a:p>
+          <a:p>
+            <a:endParaRPr lang="en-US" sz="2000" dirty="0"/>
+          </a:p>
+        </p:txBody>
+      </p:sp>
+    </p:spTree>
+    <p:extLst>
+      <p:ext uri="{BB962C8B-B14F-4D97-AF65-F5344CB8AC3E}">
+        <p14:creationId xmlns:p14="http://schemas.microsoft.com/office/powerpoint/2010/main" val="1157159649"/>
+      </p:ext>
+    </p:extLst>
+  </p:cSld>
+  <p:clrMapOvr>
+    <a:masterClrMapping/>
+  </p:clrMapOvr>
+</p:sld>
+</file>
+
+<file path=ppt/slides/slide12.xml><?xml version="1.0" encoding="utf-8"?>
+<p:sld xmlns:a="http://schemas.openxmlformats.org/drawingml/2006/main" xmlns:r="http://schemas.openxmlformats.org/officeDocument/2006/relationships" xmlns:p="http://schemas.openxmlformats.org/presentationml/2006/main">
+  <p:cSld>
+    <p:spTree>
+      <p:nvGrpSpPr>
+        <p:cNvPr id="1" name="">
+          <a:extLst>
+            <a:ext uri="{FF2B5EF4-FFF2-40B4-BE49-F238E27FC236}">
+              <a16:creationId xmlns:a16="http://schemas.microsoft.com/office/drawing/2014/main" id="{F59518D8-C9B7-719E-D432-E9E7209CEB12}"/>
+            </a:ext>
+          </a:extLst>
+        </p:cNvPr>
+        <p:cNvGrpSpPr/>
+        <p:nvPr/>
+      </p:nvGrpSpPr>
+      <p:grpSpPr>
+        <a:xfrm>
+          <a:off x="0" y="0"/>
+          <a:ext cx="0" cy="0"/>
+          <a:chOff x="0" y="0"/>
+          <a:chExt cx="0" cy="0"/>
+        </a:xfrm>
+      </p:grpSpPr>
+      <p:sp>
+        <p:nvSpPr>
+          <p:cNvPr id="2" name="Title 1">
+            <a:extLst>
+              <a:ext uri="{FF2B5EF4-FFF2-40B4-BE49-F238E27FC236}">
+                <a16:creationId xmlns:a16="http://schemas.microsoft.com/office/drawing/2014/main" id="{A732A7A5-0326-7515-7618-479DA80C2878}"/>
+              </a:ext>
+            </a:extLst>
+          </p:cNvPr>
+          <p:cNvSpPr>
+            <a:spLocks noGrp="1"/>
+          </p:cNvSpPr>
+          <p:nvPr>
+            <p:ph type="title"/>
+          </p:nvPr>
+        </p:nvSpPr>
+        <p:spPr>
+          <a:xfrm>
+            <a:off x="1484312" y="685800"/>
+            <a:ext cx="10018712" cy="611155"/>
+          </a:xfrm>
+        </p:spPr>
+        <p:txBody>
+          <a:bodyPr>
+            <a:normAutofit fontScale="90000"/>
+          </a:bodyPr>
+          <a:lstStyle/>
+          <a:p>
+            <a:pPr algn="l"/>
+            <a:r>
+              <a:rPr lang="en-US" b="1" dirty="0"/>
+              <a:t>count() : example</a:t>
+            </a:r>
+          </a:p>
+        </p:txBody>
+      </p:sp>
+      <p:sp>
+        <p:nvSpPr>
+          <p:cNvPr id="3" name="Content Placeholder 2">
+            <a:extLst>
+              <a:ext uri="{FF2B5EF4-FFF2-40B4-BE49-F238E27FC236}">
+                <a16:creationId xmlns:a16="http://schemas.microsoft.com/office/drawing/2014/main" id="{3DE10631-7920-5A96-C6F9-39A59C316F3A}"/>
+              </a:ext>
+            </a:extLst>
+          </p:cNvPr>
+          <p:cNvSpPr>
+            <a:spLocks noGrp="1"/>
+          </p:cNvSpPr>
+          <p:nvPr>
+            <p:ph idx="1"/>
+          </p:nvPr>
+        </p:nvSpPr>
+        <p:spPr>
+          <a:xfrm>
+            <a:off x="1484311" y="1632858"/>
+            <a:ext cx="7084501" cy="2599929"/>
+          </a:xfrm>
+          <a:ln w="28575">
+            <a:solidFill>
+              <a:srgbClr val="00B0F0"/>
+            </a:solidFill>
+          </a:ln>
+        </p:spPr>
+        <p:txBody>
+          <a:bodyPr>
+            <a:noAutofit/>
+          </a:bodyPr>
+          <a:lstStyle/>
+          <a:p>
+            <a:pPr marL="0" indent="0">
+              <a:buNone/>
+            </a:pPr>
+            <a:r>
+              <a:rPr lang="en-US" sz="1400" dirty="0">
+                <a:latin typeface="Consolas" panose="020B0609020204030204" pitchFamily="49" charset="0"/>
+              </a:rPr>
+              <a:t>import pandas as pd  </a:t>
+            </a:r>
+          </a:p>
+          <a:p>
+            <a:pPr marL="0" indent="0">
+              <a:buNone/>
+            </a:pPr>
+            <a:r>
+              <a:rPr lang="en-US" sz="1400" dirty="0">
+                <a:latin typeface="Consolas" panose="020B0609020204030204" pitchFamily="49" charset="0"/>
+              </a:rPr>
+              <a:t>import </a:t>
+            </a:r>
+            <a:r>
+              <a:rPr lang="en-US" sz="1400" dirty="0" err="1">
+                <a:latin typeface="Consolas" panose="020B0609020204030204" pitchFamily="49" charset="0"/>
+              </a:rPr>
+              <a:t>numpy</a:t>
+            </a:r>
+            <a:r>
+              <a:rPr lang="en-US" sz="1400" dirty="0">
+                <a:latin typeface="Consolas" panose="020B0609020204030204" pitchFamily="49" charset="0"/>
+              </a:rPr>
+              <a:t> as np  </a:t>
+            </a:r>
+          </a:p>
+          <a:p>
+            <a:pPr marL="0" indent="0">
+              <a:buNone/>
+            </a:pPr>
+            <a:r>
+              <a:rPr lang="en-US" sz="1400" dirty="0">
+                <a:latin typeface="Consolas" panose="020B0609020204030204" pitchFamily="49" charset="0"/>
+              </a:rPr>
+              <a:t>info = </a:t>
+            </a:r>
+            <a:r>
+              <a:rPr lang="en-US" sz="1400" dirty="0" err="1">
+                <a:latin typeface="Consolas" panose="020B0609020204030204" pitchFamily="49" charset="0"/>
+              </a:rPr>
+              <a:t>pd.DataFrame</a:t>
+            </a:r>
+            <a:r>
+              <a:rPr lang="en-US" sz="1400" dirty="0">
+                <a:latin typeface="Consolas" panose="020B0609020204030204" pitchFamily="49" charset="0"/>
+              </a:rPr>
+              <a:t>({"Person":["Parker", "Smith", "William", "John"],  </a:t>
+            </a:r>
+          </a:p>
+          <a:p>
+            <a:pPr marL="0" indent="0">
+              <a:buNone/>
+            </a:pPr>
+            <a:r>
+              <a:rPr lang="en-US" sz="1400" dirty="0">
+                <a:latin typeface="Consolas" panose="020B0609020204030204" pitchFamily="49" charset="0"/>
+              </a:rPr>
+              <a:t>"Age": [27., 29, </a:t>
+            </a:r>
+            <a:r>
+              <a:rPr lang="en-US" sz="1400" dirty="0" err="1">
+                <a:latin typeface="Consolas" panose="020B0609020204030204" pitchFamily="49" charset="0"/>
+              </a:rPr>
+              <a:t>np.nan</a:t>
+            </a:r>
+            <a:r>
+              <a:rPr lang="en-US" sz="1400" dirty="0">
+                <a:latin typeface="Consolas" panose="020B0609020204030204" pitchFamily="49" charset="0"/>
+              </a:rPr>
+              <a:t>, 32]  </a:t>
+            </a:r>
+          </a:p>
+          <a:p>
+            <a:pPr marL="0" indent="0">
+              <a:buNone/>
+            </a:pPr>
+            <a:r>
+              <a:rPr lang="en-US" sz="1400" dirty="0" err="1">
+                <a:latin typeface="Consolas" panose="020B0609020204030204" pitchFamily="49" charset="0"/>
+              </a:rPr>
+              <a:t>info.count</a:t>
+            </a:r>
+            <a:r>
+              <a:rPr lang="en-US" sz="1400" dirty="0">
+                <a:latin typeface="Consolas" panose="020B0609020204030204" pitchFamily="49" charset="0"/>
+              </a:rPr>
+              <a:t>(axis='columns’) </a:t>
+            </a:r>
+          </a:p>
+          <a:p>
+            <a:pPr marL="0" indent="0">
+              <a:buNone/>
+            </a:pPr>
+            <a:r>
+              <a:rPr lang="en-US" sz="1400" dirty="0">
+                <a:latin typeface="Consolas" panose="020B0609020204030204" pitchFamily="49" charset="0"/>
+              </a:rPr>
+              <a:t> #info.count()</a:t>
+            </a:r>
+          </a:p>
+        </p:txBody>
+      </p:sp>
+      <p:pic>
+        <p:nvPicPr>
+          <p:cNvPr id="6" name="Picture 5">
+            <a:extLst>
+              <a:ext uri="{FF2B5EF4-FFF2-40B4-BE49-F238E27FC236}">
+                <a16:creationId xmlns:a16="http://schemas.microsoft.com/office/drawing/2014/main" id="{F91CFC3A-E44D-5EED-E021-E8FE4F9242CC}"/>
+              </a:ext>
+            </a:extLst>
+          </p:cNvPr>
+          <p:cNvPicPr>
+            <a:picLocks noChangeAspect="1"/>
+          </p:cNvPicPr>
+          <p:nvPr/>
+        </p:nvPicPr>
+        <p:blipFill>
+          <a:blip r:embed="rId2"/>
+          <a:stretch>
+            <a:fillRect/>
+          </a:stretch>
+        </p:blipFill>
+        <p:spPr>
+          <a:xfrm>
+            <a:off x="6468861" y="4408470"/>
+            <a:ext cx="2099952" cy="1594124"/>
+          </a:xfrm>
+          <a:prstGeom prst="rect">
+            <a:avLst/>
+          </a:prstGeom>
+        </p:spPr>
+      </p:pic>
+      <p:pic>
+        <p:nvPicPr>
+          <p:cNvPr id="8" name="Picture 7">
+            <a:extLst>
+              <a:ext uri="{FF2B5EF4-FFF2-40B4-BE49-F238E27FC236}">
+                <a16:creationId xmlns:a16="http://schemas.microsoft.com/office/drawing/2014/main" id="{F39ACE72-7736-2A24-5446-46F24C8BC0C8}"/>
+              </a:ext>
+            </a:extLst>
+          </p:cNvPr>
+          <p:cNvPicPr>
+            <a:picLocks noChangeAspect="1"/>
+          </p:cNvPicPr>
+          <p:nvPr/>
+        </p:nvPicPr>
+        <p:blipFill>
+          <a:blip r:embed="rId3"/>
+          <a:stretch>
+            <a:fillRect/>
+          </a:stretch>
+        </p:blipFill>
+        <p:spPr>
+          <a:xfrm>
+            <a:off x="4848051" y="4408470"/>
+            <a:ext cx="1470635" cy="1594124"/>
+          </a:xfrm>
+          <a:prstGeom prst="rect">
+            <a:avLst/>
+          </a:prstGeom>
+        </p:spPr>
+      </p:pic>
+    </p:spTree>
+    <p:extLst>
+      <p:ext uri="{BB962C8B-B14F-4D97-AF65-F5344CB8AC3E}">
+        <p14:creationId xmlns:p14="http://schemas.microsoft.com/office/powerpoint/2010/main" val="1836703449"/>
+      </p:ext>
+    </p:extLst>
+  </p:cSld>
+  <p:clrMapOvr>
+    <a:masterClrMapping/>
+  </p:clrMapOvr>
+</p:sld>
+</file>
+
+<file path=ppt/slides/slide13.xml><?xml version="1.0" encoding="utf-8"?>
+<p:sld xmlns:a="http://schemas.openxmlformats.org/drawingml/2006/main" xmlns:r="http://schemas.openxmlformats.org/officeDocument/2006/relationships" xmlns:p="http://schemas.openxmlformats.org/presentationml/2006/main">
+  <p:cSld>
+    <p:spTree>
+      <p:nvGrpSpPr>
+        <p:cNvPr id="1" name="">
+          <a:extLst>
+            <a:ext uri="{FF2B5EF4-FFF2-40B4-BE49-F238E27FC236}">
+              <a16:creationId xmlns:a16="http://schemas.microsoft.com/office/drawing/2014/main" id="{A9F26B0D-9E9B-55EB-3832-54EA175693F0}"/>
+            </a:ext>
+          </a:extLst>
+        </p:cNvPr>
+        <p:cNvGrpSpPr/>
+        <p:nvPr/>
+      </p:nvGrpSpPr>
+      <p:grpSpPr>
+        <a:xfrm>
+          <a:off x="0" y="0"/>
+          <a:ext cx="0" cy="0"/>
+          <a:chOff x="0" y="0"/>
+          <a:chExt cx="0" cy="0"/>
+        </a:xfrm>
+      </p:grpSpPr>
+      <p:sp>
+        <p:nvSpPr>
+          <p:cNvPr id="2" name="Title 1">
+            <a:extLst>
+              <a:ext uri="{FF2B5EF4-FFF2-40B4-BE49-F238E27FC236}">
+                <a16:creationId xmlns:a16="http://schemas.microsoft.com/office/drawing/2014/main" id="{2531788C-CE00-79A6-A5F0-600F42A10062}"/>
+              </a:ext>
+            </a:extLst>
+          </p:cNvPr>
+          <p:cNvSpPr>
+            <a:spLocks noGrp="1"/>
+          </p:cNvSpPr>
+          <p:nvPr>
+            <p:ph type="title"/>
+          </p:nvPr>
+        </p:nvSpPr>
+        <p:spPr>
+          <a:xfrm>
+            <a:off x="1484312" y="685800"/>
+            <a:ext cx="10018712" cy="611155"/>
+          </a:xfrm>
+        </p:spPr>
+        <p:txBody>
+          <a:bodyPr>
+            <a:normAutofit fontScale="90000"/>
+          </a:bodyPr>
+          <a:lstStyle/>
+          <a:p>
+            <a:pPr algn="l"/>
+            <a:r>
+              <a:rPr lang="en-US" b="1" dirty="0"/>
+              <a:t>cut() :</a:t>
+            </a:r>
+          </a:p>
+        </p:txBody>
+      </p:sp>
+      <p:sp>
+        <p:nvSpPr>
+          <p:cNvPr id="3" name="Content Placeholder 2">
+            <a:extLst>
+              <a:ext uri="{FF2B5EF4-FFF2-40B4-BE49-F238E27FC236}">
+                <a16:creationId xmlns:a16="http://schemas.microsoft.com/office/drawing/2014/main" id="{41AB5561-D4B5-B676-94EB-CE31E5C6D477}"/>
+              </a:ext>
+            </a:extLst>
+          </p:cNvPr>
+          <p:cNvSpPr>
+            <a:spLocks noGrp="1"/>
+          </p:cNvSpPr>
+          <p:nvPr>
+            <p:ph idx="1"/>
+          </p:nvPr>
+        </p:nvSpPr>
+        <p:spPr>
+          <a:xfrm>
+            <a:off x="1484311" y="1632859"/>
+            <a:ext cx="9635973" cy="1095594"/>
+          </a:xfrm>
+          <a:ln w="28575">
+            <a:solidFill>
+              <a:srgbClr val="00B0F0"/>
+            </a:solidFill>
+          </a:ln>
+        </p:spPr>
+        <p:txBody>
+          <a:bodyPr>
+            <a:noAutofit/>
+          </a:bodyPr>
+          <a:lstStyle/>
+          <a:p>
+            <a:pPr marL="0" indent="0">
+              <a:buNone/>
+            </a:pPr>
+            <a:r>
+              <a:rPr lang="en-US" sz="1400" dirty="0" err="1">
+                <a:latin typeface="Consolas" panose="020B0609020204030204" pitchFamily="49" charset="0"/>
+              </a:rPr>
+              <a:t>pandas.cut</a:t>
+            </a:r>
+            <a:r>
+              <a:rPr lang="en-US" sz="1400" dirty="0">
+                <a:latin typeface="Consolas" panose="020B0609020204030204" pitchFamily="49" charset="0"/>
+              </a:rPr>
+              <a:t>(x, bins, right=True, labels=None, </a:t>
+            </a:r>
+            <a:r>
+              <a:rPr lang="en-US" sz="1400" dirty="0" err="1">
+                <a:latin typeface="Consolas" panose="020B0609020204030204" pitchFamily="49" charset="0"/>
+              </a:rPr>
+              <a:t>retbins</a:t>
+            </a:r>
+            <a:r>
+              <a:rPr lang="en-US" sz="1400" dirty="0">
+                <a:latin typeface="Consolas" panose="020B0609020204030204" pitchFamily="49" charset="0"/>
+              </a:rPr>
+              <a:t>=False, precision=3, </a:t>
+            </a:r>
+            <a:r>
+              <a:rPr lang="en-US" sz="1400" dirty="0" err="1">
+                <a:latin typeface="Consolas" panose="020B0609020204030204" pitchFamily="49" charset="0"/>
+              </a:rPr>
+              <a:t>include_lowest</a:t>
+            </a:r>
+            <a:r>
+              <a:rPr lang="en-US" sz="1400" dirty="0">
+                <a:latin typeface="Consolas" panose="020B0609020204030204" pitchFamily="49" charset="0"/>
+              </a:rPr>
+              <a:t>=False, duplicates='raise') </a:t>
+            </a:r>
+          </a:p>
+        </p:txBody>
+      </p:sp>
+      <p:sp>
+        <p:nvSpPr>
+          <p:cNvPr id="4" name="TextBox 3">
+            <a:extLst>
+              <a:ext uri="{FF2B5EF4-FFF2-40B4-BE49-F238E27FC236}">
+                <a16:creationId xmlns:a16="http://schemas.microsoft.com/office/drawing/2014/main" id="{3FC1A47F-C057-4906-E70B-4A61BEC633FD}"/>
+              </a:ext>
+            </a:extLst>
+          </p:cNvPr>
+          <p:cNvSpPr txBox="1"/>
+          <p:nvPr/>
+        </p:nvSpPr>
+        <p:spPr>
+          <a:xfrm>
+            <a:off x="1637072" y="3259394"/>
+            <a:ext cx="10018712" cy="2031325"/>
+          </a:xfrm>
+          <a:prstGeom prst="rect">
+            <a:avLst/>
+          </a:prstGeom>
+          <a:noFill/>
+        </p:spPr>
+        <p:txBody>
+          <a:bodyPr wrap="square" rtlCol="0">
+            <a:spAutoFit/>
+          </a:bodyPr>
+          <a:lstStyle/>
+          <a:p>
+            <a:r>
+              <a:rPr lang="en-US" b="1" i="0" dirty="0">
+                <a:solidFill>
+                  <a:srgbClr val="333333"/>
+                </a:solidFill>
+                <a:effectLst/>
+                <a:latin typeface="Inter-Regular"/>
+              </a:rPr>
+              <a:t>x:</a:t>
+            </a:r>
+            <a:r>
+              <a:rPr lang="en-US" b="0" i="0" dirty="0">
+                <a:solidFill>
+                  <a:srgbClr val="333333"/>
+                </a:solidFill>
+                <a:effectLst/>
+                <a:latin typeface="Inter-Regular"/>
+              </a:rPr>
+              <a:t> It generally refers to an array as an input that is to be bin. The array should be a one-dimensional array.</a:t>
+            </a:r>
+          </a:p>
+          <a:p>
+            <a:r>
+              <a:rPr lang="en-US" b="1" i="0" dirty="0">
+                <a:solidFill>
+                  <a:srgbClr val="333333"/>
+                </a:solidFill>
+                <a:effectLst/>
+                <a:latin typeface="Inter-Regular"/>
+              </a:rPr>
+              <a:t>bins:</a:t>
+            </a:r>
+            <a:r>
+              <a:rPr lang="en-US" b="0" i="0" dirty="0">
+                <a:solidFill>
+                  <a:srgbClr val="333333"/>
+                </a:solidFill>
+                <a:effectLst/>
+                <a:latin typeface="Inter-Regular"/>
+              </a:rPr>
+              <a:t> It refers to an </a:t>
+            </a:r>
+            <a:r>
+              <a:rPr lang="en-US" b="1" i="0" dirty="0">
+                <a:solidFill>
+                  <a:srgbClr val="333333"/>
+                </a:solidFill>
+                <a:effectLst/>
+                <a:latin typeface="Inter-Regular"/>
+              </a:rPr>
+              <a:t>int</a:t>
+            </a:r>
+            <a:r>
+              <a:rPr lang="en-US" b="0" i="0" dirty="0">
+                <a:solidFill>
+                  <a:srgbClr val="333333"/>
+                </a:solidFill>
+                <a:effectLst/>
+                <a:latin typeface="Inter-Regular"/>
+              </a:rPr>
+              <a:t>, </a:t>
+            </a:r>
+            <a:r>
+              <a:rPr lang="en-US" b="1" i="0" dirty="0">
+                <a:solidFill>
+                  <a:srgbClr val="333333"/>
+                </a:solidFill>
+                <a:effectLst/>
+                <a:latin typeface="Inter-Regular"/>
+              </a:rPr>
+              <a:t>sequence of scalars</a:t>
+            </a:r>
+            <a:r>
+              <a:rPr lang="en-US" b="0" i="0" dirty="0">
+                <a:solidFill>
+                  <a:srgbClr val="333333"/>
+                </a:solidFill>
+                <a:effectLst/>
+                <a:latin typeface="Inter-Regular"/>
+              </a:rPr>
+              <a:t>, or </a:t>
+            </a:r>
+            <a:r>
+              <a:rPr lang="en-US" b="1" i="0" dirty="0" err="1">
+                <a:solidFill>
+                  <a:srgbClr val="333333"/>
+                </a:solidFill>
+                <a:effectLst/>
+                <a:latin typeface="Inter-Regular"/>
+              </a:rPr>
+              <a:t>IntervalIndex</a:t>
+            </a:r>
+            <a:r>
+              <a:rPr lang="en-US" b="0" i="0" dirty="0">
+                <a:solidFill>
+                  <a:srgbClr val="333333"/>
+                </a:solidFill>
+                <a:effectLst/>
+                <a:latin typeface="Inter-Regular"/>
+              </a:rPr>
+              <a:t> values that define the bin edges for the segmentation.</a:t>
+            </a:r>
+          </a:p>
+          <a:p>
+            <a:r>
+              <a:rPr lang="en-US" b="1" i="0" dirty="0" err="1">
+                <a:solidFill>
+                  <a:srgbClr val="333333"/>
+                </a:solidFill>
+                <a:effectLst/>
+                <a:latin typeface="Inter-Regular"/>
+              </a:rPr>
+              <a:t>retbins</a:t>
+            </a:r>
+            <a:r>
+              <a:rPr lang="en-US" b="1" i="0" dirty="0">
+                <a:solidFill>
+                  <a:srgbClr val="333333"/>
+                </a:solidFill>
+                <a:effectLst/>
+                <a:latin typeface="Inter-Regular"/>
+              </a:rPr>
+              <a:t>:</a:t>
+            </a:r>
+            <a:r>
+              <a:rPr lang="en-US" b="0" i="0" dirty="0">
+                <a:solidFill>
+                  <a:srgbClr val="333333"/>
+                </a:solidFill>
+                <a:effectLst/>
+                <a:latin typeface="Inter-Regular"/>
+              </a:rPr>
+              <a:t> It refers to a </a:t>
+            </a:r>
+            <a:r>
+              <a:rPr lang="en-US" b="0" i="0" dirty="0" err="1">
+                <a:solidFill>
+                  <a:srgbClr val="333333"/>
+                </a:solidFill>
+                <a:effectLst/>
+                <a:latin typeface="Inter-Regular"/>
+              </a:rPr>
+              <a:t>boolean</a:t>
+            </a:r>
+            <a:r>
+              <a:rPr lang="en-US" b="0" i="0" dirty="0">
+                <a:solidFill>
+                  <a:srgbClr val="333333"/>
+                </a:solidFill>
+                <a:effectLst/>
+                <a:latin typeface="Inter-Regular"/>
+              </a:rPr>
+              <a:t> value that checks whether to return the bins or not.</a:t>
+            </a:r>
+            <a:endParaRPr lang="en-US" dirty="0">
+              <a:solidFill>
+                <a:srgbClr val="333333"/>
+              </a:solidFill>
+              <a:latin typeface="Inter-Regular"/>
+            </a:endParaRPr>
+          </a:p>
+          <a:p>
+            <a:r>
+              <a:rPr lang="en-US" b="1" i="0" dirty="0">
+                <a:solidFill>
+                  <a:srgbClr val="333333"/>
+                </a:solidFill>
+                <a:effectLst/>
+                <a:latin typeface="Inter-Regular"/>
+              </a:rPr>
+              <a:t>precision:</a:t>
+            </a:r>
+            <a:r>
+              <a:rPr lang="en-US" b="0" i="0" dirty="0">
+                <a:solidFill>
+                  <a:srgbClr val="333333"/>
+                </a:solidFill>
+                <a:effectLst/>
+                <a:latin typeface="Inter-Regular"/>
+              </a:rPr>
+              <a:t> It is used to store and display the bins labels. </a:t>
+            </a:r>
+            <a:r>
+              <a:rPr lang="en-US" b="0" i="0">
+                <a:solidFill>
+                  <a:srgbClr val="333333"/>
+                </a:solidFill>
+                <a:effectLst/>
+                <a:latin typeface="Inter-Regular"/>
+              </a:rPr>
+              <a:t>It consists of an integer value that has the default value </a:t>
+            </a:r>
+            <a:r>
+              <a:rPr lang="en-US" b="1" i="0">
+                <a:solidFill>
+                  <a:srgbClr val="333333"/>
+                </a:solidFill>
+                <a:effectLst/>
+                <a:latin typeface="Inter-Regular"/>
+              </a:rPr>
+              <a:t>3</a:t>
+            </a:r>
+            <a:r>
+              <a:rPr lang="en-US" b="0" i="0">
+                <a:solidFill>
+                  <a:srgbClr val="333333"/>
+                </a:solidFill>
+                <a:effectLst/>
+                <a:latin typeface="Inter-Regular"/>
+              </a:rPr>
+              <a:t>.</a:t>
+            </a:r>
+          </a:p>
+          <a:p>
+            <a:endParaRPr lang="en-US" dirty="0"/>
+          </a:p>
+        </p:txBody>
+      </p:sp>
+    </p:spTree>
+    <p:extLst>
+      <p:ext uri="{BB962C8B-B14F-4D97-AF65-F5344CB8AC3E}">
+        <p14:creationId xmlns:p14="http://schemas.microsoft.com/office/powerpoint/2010/main" val="3777261924"/>
+      </p:ext>
+    </p:extLst>
+  </p:cSld>
+  <p:clrMapOvr>
+    <a:masterClrMapping/>
+  </p:clrMapOvr>
+</p:sld>
+</file>
+
 <file path=ppt/slides/slide2.xml><?xml version="1.0" encoding="utf-8"?>
 <p:sld xmlns:a="http://schemas.openxmlformats.org/drawingml/2006/main" xmlns:r="http://schemas.openxmlformats.org/officeDocument/2006/relationships" xmlns:p="http://schemas.openxmlformats.org/presentationml/2006/main">
   <p:cSld>
@@ -7225,7 +8255,6 @@
               <a:rPr lang="en-US" b="1" dirty="0"/>
               <a:t> Function</a:t>
             </a:r>
-            <a:endParaRPr lang="en-US" b="1" dirty="0"/>
           </a:p>
         </p:txBody>
       </p:sp>
@@ -7374,7 +8403,7 @@
                           <a:hlinkClick r:id="rId3">
                             <a:extLst>
                               <a:ext uri="{A12FA001-AC4F-418D-AE19-62706E023703}">
-                                <ahyp:hlinkClr xmlns="" xmlns:ahyp="http://schemas.microsoft.com/office/drawing/2018/hyperlinkcolor" val="tx"/>
+                                <ahyp:hlinkClr xmlns:ahyp="http://schemas.microsoft.com/office/drawing/2018/hyperlinkcolor" val="tx"/>
                               </a:ext>
                             </a:extLst>
                           </a:hlinkClick>
@@ -7389,7 +8418,7 @@
                           <a:hlinkClick r:id="rId3">
                             <a:extLst>
                               <a:ext uri="{A12FA001-AC4F-418D-AE19-62706E023703}">
-                                <ahyp:hlinkClr xmlns="" xmlns:ahyp="http://schemas.microsoft.com/office/drawing/2018/hyperlinkcolor" val="tx"/>
+                                <ahyp:hlinkClr xmlns:ahyp="http://schemas.microsoft.com/office/drawing/2018/hyperlinkcolor" val="tx"/>
                               </a:ext>
                             </a:extLst>
                           </a:hlinkClick>
@@ -7404,7 +8433,7 @@
                           <a:hlinkClick r:id="rId3">
                             <a:extLst>
                               <a:ext uri="{A12FA001-AC4F-418D-AE19-62706E023703}">
-                                <ahyp:hlinkClr xmlns="" xmlns:ahyp="http://schemas.microsoft.com/office/drawing/2018/hyperlinkcolor" val="tx"/>
+                                <ahyp:hlinkClr xmlns:ahyp="http://schemas.microsoft.com/office/drawing/2018/hyperlinkcolor" val="tx"/>
                               </a:ext>
                             </a:extLst>
                           </a:hlinkClick>
@@ -7457,7 +8486,7 @@
                           <a:hlinkClick r:id="rId4">
                             <a:extLst>
                               <a:ext uri="{A12FA001-AC4F-418D-AE19-62706E023703}">
-                                <ahyp:hlinkClr xmlns="" xmlns:ahyp="http://schemas.microsoft.com/office/drawing/2018/hyperlinkcolor" val="tx"/>
+                                <ahyp:hlinkClr xmlns:ahyp="http://schemas.microsoft.com/office/drawing/2018/hyperlinkcolor" val="tx"/>
                               </a:ext>
                             </a:extLst>
                           </a:hlinkClick>
@@ -7472,7 +8501,7 @@
                           <a:hlinkClick r:id="rId4">
                             <a:extLst>
                               <a:ext uri="{A12FA001-AC4F-418D-AE19-62706E023703}">
-                                <ahyp:hlinkClr xmlns="" xmlns:ahyp="http://schemas.microsoft.com/office/drawing/2018/hyperlinkcolor" val="tx"/>
+                                <ahyp:hlinkClr xmlns:ahyp="http://schemas.microsoft.com/office/drawing/2018/hyperlinkcolor" val="tx"/>
                               </a:ext>
                             </a:extLst>
                           </a:hlinkClick>
@@ -7525,7 +8554,7 @@
                           <a:hlinkClick r:id="rId5">
                             <a:extLst>
                               <a:ext uri="{A12FA001-AC4F-418D-AE19-62706E023703}">
-                                <ahyp:hlinkClr xmlns="" xmlns:ahyp="http://schemas.microsoft.com/office/drawing/2018/hyperlinkcolor" val="tx"/>
+                                <ahyp:hlinkClr xmlns:ahyp="http://schemas.microsoft.com/office/drawing/2018/hyperlinkcolor" val="tx"/>
                               </a:ext>
                             </a:extLst>
                           </a:hlinkClick>
@@ -7540,7 +8569,7 @@
                           <a:hlinkClick r:id="rId5">
                             <a:extLst>
                               <a:ext uri="{A12FA001-AC4F-418D-AE19-62706E023703}">
-                                <ahyp:hlinkClr xmlns="" xmlns:ahyp="http://schemas.microsoft.com/office/drawing/2018/hyperlinkcolor" val="tx"/>
+                                <ahyp:hlinkClr xmlns:ahyp="http://schemas.microsoft.com/office/drawing/2018/hyperlinkcolor" val="tx"/>
                               </a:ext>
                             </a:extLst>
                           </a:hlinkClick>
@@ -7593,7 +8622,7 @@
                           <a:hlinkClick r:id="rId6">
                             <a:extLst>
                               <a:ext uri="{A12FA001-AC4F-418D-AE19-62706E023703}">
-                                <ahyp:hlinkClr xmlns="" xmlns:ahyp="http://schemas.microsoft.com/office/drawing/2018/hyperlinkcolor" val="tx"/>
+                                <ahyp:hlinkClr xmlns:ahyp="http://schemas.microsoft.com/office/drawing/2018/hyperlinkcolor" val="tx"/>
                               </a:ext>
                             </a:extLst>
                           </a:hlinkClick>
@@ -7608,7 +8637,7 @@
                           <a:hlinkClick r:id="rId6">
                             <a:extLst>
                               <a:ext uri="{A12FA001-AC4F-418D-AE19-62706E023703}">
-                                <ahyp:hlinkClr xmlns="" xmlns:ahyp="http://schemas.microsoft.com/office/drawing/2018/hyperlinkcolor" val="tx"/>
+                                <ahyp:hlinkClr xmlns:ahyp="http://schemas.microsoft.com/office/drawing/2018/hyperlinkcolor" val="tx"/>
                               </a:ext>
                             </a:extLst>
                           </a:hlinkClick>
@@ -7677,7 +8706,7 @@
                           <a:hlinkClick r:id="rId7">
                             <a:extLst>
                               <a:ext uri="{A12FA001-AC4F-418D-AE19-62706E023703}">
-                                <ahyp:hlinkClr xmlns="" xmlns:ahyp="http://schemas.microsoft.com/office/drawing/2018/hyperlinkcolor" val="tx"/>
+                                <ahyp:hlinkClr xmlns:ahyp="http://schemas.microsoft.com/office/drawing/2018/hyperlinkcolor" val="tx"/>
                               </a:ext>
                             </a:extLst>
                           </a:hlinkClick>
@@ -7692,7 +8721,7 @@
                           <a:hlinkClick r:id="rId7">
                             <a:extLst>
                               <a:ext uri="{A12FA001-AC4F-418D-AE19-62706E023703}">
-                                <ahyp:hlinkClr xmlns="" xmlns:ahyp="http://schemas.microsoft.com/office/drawing/2018/hyperlinkcolor" val="tx"/>
+                                <ahyp:hlinkClr xmlns:ahyp="http://schemas.microsoft.com/office/drawing/2018/hyperlinkcolor" val="tx"/>
                               </a:ext>
                             </a:extLst>
                           </a:hlinkClick>
@@ -7745,7 +8774,7 @@
                           <a:hlinkClick r:id="rId8">
                             <a:extLst>
                               <a:ext uri="{A12FA001-AC4F-418D-AE19-62706E023703}">
-                                <ahyp:hlinkClr xmlns="" xmlns:ahyp="http://schemas.microsoft.com/office/drawing/2018/hyperlinkcolor" val="tx"/>
+                                <ahyp:hlinkClr xmlns:ahyp="http://schemas.microsoft.com/office/drawing/2018/hyperlinkcolor" val="tx"/>
                               </a:ext>
                             </a:extLst>
                           </a:hlinkClick>
@@ -7760,7 +8789,7 @@
                           <a:hlinkClick r:id="rId8">
                             <a:extLst>
                               <a:ext uri="{A12FA001-AC4F-418D-AE19-62706E023703}">
-                                <ahyp:hlinkClr xmlns="" xmlns:ahyp="http://schemas.microsoft.com/office/drawing/2018/hyperlinkcolor" val="tx"/>
+                                <ahyp:hlinkClr xmlns:ahyp="http://schemas.microsoft.com/office/drawing/2018/hyperlinkcolor" val="tx"/>
                               </a:ext>
                             </a:extLst>
                           </a:hlinkClick>
@@ -7813,7 +8842,7 @@
                           <a:hlinkClick r:id="rId9">
                             <a:extLst>
                               <a:ext uri="{A12FA001-AC4F-418D-AE19-62706E023703}">
-                                <ahyp:hlinkClr xmlns="" xmlns:ahyp="http://schemas.microsoft.com/office/drawing/2018/hyperlinkcolor" val="tx"/>
+                                <ahyp:hlinkClr xmlns:ahyp="http://schemas.microsoft.com/office/drawing/2018/hyperlinkcolor" val="tx"/>
                               </a:ext>
                             </a:extLst>
                           </a:hlinkClick>
@@ -7828,7 +8857,7 @@
                           <a:hlinkClick r:id="rId9">
                             <a:extLst>
                               <a:ext uri="{A12FA001-AC4F-418D-AE19-62706E023703}">
-                                <ahyp:hlinkClr xmlns="" xmlns:ahyp="http://schemas.microsoft.com/office/drawing/2018/hyperlinkcolor" val="tx"/>
+                                <ahyp:hlinkClr xmlns:ahyp="http://schemas.microsoft.com/office/drawing/2018/hyperlinkcolor" val="tx"/>
                               </a:ext>
                             </a:extLst>
                           </a:hlinkClick>
@@ -7881,7 +8910,7 @@
                           <a:hlinkClick r:id="rId10">
                             <a:extLst>
                               <a:ext uri="{A12FA001-AC4F-418D-AE19-62706E023703}">
-                                <ahyp:hlinkClr xmlns="" xmlns:ahyp="http://schemas.microsoft.com/office/drawing/2018/hyperlinkcolor" val="tx"/>
+                                <ahyp:hlinkClr xmlns:ahyp="http://schemas.microsoft.com/office/drawing/2018/hyperlinkcolor" val="tx"/>
                               </a:ext>
                             </a:extLst>
                           </a:hlinkClick>
@@ -7896,7 +8925,7 @@
                           <a:hlinkClick r:id="rId10">
                             <a:extLst>
                               <a:ext uri="{A12FA001-AC4F-418D-AE19-62706E023703}">
-                                <ahyp:hlinkClr xmlns="" xmlns:ahyp="http://schemas.microsoft.com/office/drawing/2018/hyperlinkcolor" val="tx"/>
+                                <ahyp:hlinkClr xmlns:ahyp="http://schemas.microsoft.com/office/drawing/2018/hyperlinkcolor" val="tx"/>
                               </a:ext>
                             </a:extLst>
                           </a:hlinkClick>
@@ -8129,7 +9158,7 @@
                           <a:hlinkClick r:id="rId3">
                             <a:extLst>
                               <a:ext uri="{A12FA001-AC4F-418D-AE19-62706E023703}">
-                                <ahyp:hlinkClr xmlns="" xmlns:ahyp="http://schemas.microsoft.com/office/drawing/2018/hyperlinkcolor" val="tx"/>
+                                <ahyp:hlinkClr xmlns:ahyp="http://schemas.microsoft.com/office/drawing/2018/hyperlinkcolor" val="tx"/>
                               </a:ext>
                             </a:extLst>
                           </a:hlinkClick>
@@ -8144,7 +9173,7 @@
                           <a:hlinkClick r:id="rId3">
                             <a:extLst>
                               <a:ext uri="{A12FA001-AC4F-418D-AE19-62706E023703}">
-                                <ahyp:hlinkClr xmlns="" xmlns:ahyp="http://schemas.microsoft.com/office/drawing/2018/hyperlinkcolor" val="tx"/>
+                                <ahyp:hlinkClr xmlns:ahyp="http://schemas.microsoft.com/office/drawing/2018/hyperlinkcolor" val="tx"/>
                               </a:ext>
                             </a:extLst>
                           </a:hlinkClick>
@@ -8197,7 +9226,7 @@
                           <a:hlinkClick r:id="rId4">
                             <a:extLst>
                               <a:ext uri="{A12FA001-AC4F-418D-AE19-62706E023703}">
-                                <ahyp:hlinkClr xmlns="" xmlns:ahyp="http://schemas.microsoft.com/office/drawing/2018/hyperlinkcolor" val="tx"/>
+                                <ahyp:hlinkClr xmlns:ahyp="http://schemas.microsoft.com/office/drawing/2018/hyperlinkcolor" val="tx"/>
                               </a:ext>
                             </a:extLst>
                           </a:hlinkClick>
@@ -8212,7 +9241,7 @@
                           <a:hlinkClick r:id="rId4">
                             <a:extLst>
                               <a:ext uri="{A12FA001-AC4F-418D-AE19-62706E023703}">
-                                <ahyp:hlinkClr xmlns="" xmlns:ahyp="http://schemas.microsoft.com/office/drawing/2018/hyperlinkcolor" val="tx"/>
+                                <ahyp:hlinkClr xmlns:ahyp="http://schemas.microsoft.com/office/drawing/2018/hyperlinkcolor" val="tx"/>
                               </a:ext>
                             </a:extLst>
                           </a:hlinkClick>
@@ -8265,7 +9294,7 @@
                           <a:hlinkClick r:id="rId5">
                             <a:extLst>
                               <a:ext uri="{A12FA001-AC4F-418D-AE19-62706E023703}">
-                                <ahyp:hlinkClr xmlns="" xmlns:ahyp="http://schemas.microsoft.com/office/drawing/2018/hyperlinkcolor" val="tx"/>
+                                <ahyp:hlinkClr xmlns:ahyp="http://schemas.microsoft.com/office/drawing/2018/hyperlinkcolor" val="tx"/>
                               </a:ext>
                             </a:extLst>
                           </a:hlinkClick>
@@ -8280,7 +9309,7 @@
                           <a:hlinkClick r:id="rId5">
                             <a:extLst>
                               <a:ext uri="{A12FA001-AC4F-418D-AE19-62706E023703}">
-                                <ahyp:hlinkClr xmlns="" xmlns:ahyp="http://schemas.microsoft.com/office/drawing/2018/hyperlinkcolor" val="tx"/>
+                                <ahyp:hlinkClr xmlns:ahyp="http://schemas.microsoft.com/office/drawing/2018/hyperlinkcolor" val="tx"/>
                               </a:ext>
                             </a:extLst>
                           </a:hlinkClick>
@@ -8333,7 +9362,7 @@
                           <a:hlinkClick r:id="rId6">
                             <a:extLst>
                               <a:ext uri="{A12FA001-AC4F-418D-AE19-62706E023703}">
-                                <ahyp:hlinkClr xmlns="" xmlns:ahyp="http://schemas.microsoft.com/office/drawing/2018/hyperlinkcolor" val="tx"/>
+                                <ahyp:hlinkClr xmlns:ahyp="http://schemas.microsoft.com/office/drawing/2018/hyperlinkcolor" val="tx"/>
                               </a:ext>
                             </a:extLst>
                           </a:hlinkClick>
@@ -8348,7 +9377,7 @@
                           <a:hlinkClick r:id="rId6">
                             <a:extLst>
                               <a:ext uri="{A12FA001-AC4F-418D-AE19-62706E023703}">
-                                <ahyp:hlinkClr xmlns="" xmlns:ahyp="http://schemas.microsoft.com/office/drawing/2018/hyperlinkcolor" val="tx"/>
+                                <ahyp:hlinkClr xmlns:ahyp="http://schemas.microsoft.com/office/drawing/2018/hyperlinkcolor" val="tx"/>
                               </a:ext>
                             </a:extLst>
                           </a:hlinkClick>
@@ -8401,7 +9430,7 @@
                           <a:hlinkClick r:id="rId7">
                             <a:extLst>
                               <a:ext uri="{A12FA001-AC4F-418D-AE19-62706E023703}">
-                                <ahyp:hlinkClr xmlns="" xmlns:ahyp="http://schemas.microsoft.com/office/drawing/2018/hyperlinkcolor" val="tx"/>
+                                <ahyp:hlinkClr xmlns:ahyp="http://schemas.microsoft.com/office/drawing/2018/hyperlinkcolor" val="tx"/>
                               </a:ext>
                             </a:extLst>
                           </a:hlinkClick>
@@ -8416,7 +9445,7 @@
                           <a:hlinkClick r:id="rId7">
                             <a:extLst>
                               <a:ext uri="{A12FA001-AC4F-418D-AE19-62706E023703}">
-                                <ahyp:hlinkClr xmlns="" xmlns:ahyp="http://schemas.microsoft.com/office/drawing/2018/hyperlinkcolor" val="tx"/>
+                                <ahyp:hlinkClr xmlns:ahyp="http://schemas.microsoft.com/office/drawing/2018/hyperlinkcolor" val="tx"/>
                               </a:ext>
                             </a:extLst>
                           </a:hlinkClick>
@@ -8469,7 +9498,7 @@
                           <a:hlinkClick r:id="rId8">
                             <a:extLst>
                               <a:ext uri="{A12FA001-AC4F-418D-AE19-62706E023703}">
-                                <ahyp:hlinkClr xmlns="" xmlns:ahyp="http://schemas.microsoft.com/office/drawing/2018/hyperlinkcolor" val="tx"/>
+                                <ahyp:hlinkClr xmlns:ahyp="http://schemas.microsoft.com/office/drawing/2018/hyperlinkcolor" val="tx"/>
                               </a:ext>
                             </a:extLst>
                           </a:hlinkClick>
@@ -8484,7 +9513,7 @@
                           <a:hlinkClick r:id="rId8">
                             <a:extLst>
                               <a:ext uri="{A12FA001-AC4F-418D-AE19-62706E023703}">
-                                <ahyp:hlinkClr xmlns="" xmlns:ahyp="http://schemas.microsoft.com/office/drawing/2018/hyperlinkcolor" val="tx"/>
+                                <ahyp:hlinkClr xmlns:ahyp="http://schemas.microsoft.com/office/drawing/2018/hyperlinkcolor" val="tx"/>
                               </a:ext>
                             </a:extLst>
                           </a:hlinkClick>
@@ -8537,7 +9566,7 @@
                           <a:hlinkClick r:id="rId9">
                             <a:extLst>
                               <a:ext uri="{A12FA001-AC4F-418D-AE19-62706E023703}">
-                                <ahyp:hlinkClr xmlns="" xmlns:ahyp="http://schemas.microsoft.com/office/drawing/2018/hyperlinkcolor" val="tx"/>
+                                <ahyp:hlinkClr xmlns:ahyp="http://schemas.microsoft.com/office/drawing/2018/hyperlinkcolor" val="tx"/>
                               </a:ext>
                             </a:extLst>
                           </a:hlinkClick>
@@ -8552,7 +9581,7 @@
                           <a:hlinkClick r:id="rId9">
                             <a:extLst>
                               <a:ext uri="{A12FA001-AC4F-418D-AE19-62706E023703}">
-                                <ahyp:hlinkClr xmlns="" xmlns:ahyp="http://schemas.microsoft.com/office/drawing/2018/hyperlinkcolor" val="tx"/>
+                                <ahyp:hlinkClr xmlns:ahyp="http://schemas.microsoft.com/office/drawing/2018/hyperlinkcolor" val="tx"/>
                               </a:ext>
                             </a:extLst>
                           </a:hlinkClick>
@@ -8605,7 +9634,7 @@
                           <a:hlinkClick r:id="rId10">
                             <a:extLst>
                               <a:ext uri="{A12FA001-AC4F-418D-AE19-62706E023703}">
-                                <ahyp:hlinkClr xmlns="" xmlns:ahyp="http://schemas.microsoft.com/office/drawing/2018/hyperlinkcolor" val="tx"/>
+                                <ahyp:hlinkClr xmlns:ahyp="http://schemas.microsoft.com/office/drawing/2018/hyperlinkcolor" val="tx"/>
                               </a:ext>
                             </a:extLst>
                           </a:hlinkClick>
@@ -8620,7 +9649,7 @@
                           <a:hlinkClick r:id="rId10">
                             <a:extLst>
                               <a:ext uri="{A12FA001-AC4F-418D-AE19-62706E023703}">
-                                <ahyp:hlinkClr xmlns="" xmlns:ahyp="http://schemas.microsoft.com/office/drawing/2018/hyperlinkcolor" val="tx"/>
+                                <ahyp:hlinkClr xmlns:ahyp="http://schemas.microsoft.com/office/drawing/2018/hyperlinkcolor" val="tx"/>
                               </a:ext>
                             </a:extLst>
                           </a:hlinkClick>
@@ -8689,7 +9718,7 @@
                           <a:hlinkClick r:id="rId11">
                             <a:extLst>
                               <a:ext uri="{A12FA001-AC4F-418D-AE19-62706E023703}">
-                                <ahyp:hlinkClr xmlns="" xmlns:ahyp="http://schemas.microsoft.com/office/drawing/2018/hyperlinkcolor" val="tx"/>
+                                <ahyp:hlinkClr xmlns:ahyp="http://schemas.microsoft.com/office/drawing/2018/hyperlinkcolor" val="tx"/>
                               </a:ext>
                             </a:extLst>
                           </a:hlinkClick>
@@ -8704,7 +9733,7 @@
                           <a:hlinkClick r:id="rId11">
                             <a:extLst>
                               <a:ext uri="{A12FA001-AC4F-418D-AE19-62706E023703}">
-                                <ahyp:hlinkClr xmlns="" xmlns:ahyp="http://schemas.microsoft.com/office/drawing/2018/hyperlinkcolor" val="tx"/>
+                                <ahyp:hlinkClr xmlns:ahyp="http://schemas.microsoft.com/office/drawing/2018/hyperlinkcolor" val="tx"/>
                               </a:ext>
                             </a:extLst>
                           </a:hlinkClick>
@@ -9167,13 +10196,8 @@
             <a:pPr algn="l"/>
             <a:r>
               <a:rPr lang="en-US" b="1" dirty="0"/>
-              <a:t>a</a:t>
-            </a:r>
-            <a:r>
-              <a:rPr lang="en-US" b="1" dirty="0" smtClean="0"/>
-              <a:t>ppend()</a:t>
-            </a:r>
-            <a:endParaRPr lang="en-US" b="1" dirty="0"/>
+              <a:t>append()</a:t>
+            </a:r>
           </a:p>
         </p:txBody>
       </p:sp>
@@ -9206,22 +10230,16 @@
               <a:buNone/>
             </a:pPr>
             <a:r>
-              <a:rPr lang="en-US" sz="1600" dirty="0" err="1" smtClean="0">
+              <a:rPr lang="en-US" sz="1600" dirty="0" err="1">
                 <a:latin typeface="Consolas" panose="020B0609020204030204" pitchFamily="49" charset="0"/>
               </a:rPr>
               <a:t>DataFrame.append</a:t>
-            </a:r>
-            <a:r>
-              <a:rPr lang="en-US" sz="1600" dirty="0" smtClean="0">
-                <a:latin typeface="Consolas" panose="020B0609020204030204" pitchFamily="49" charset="0"/>
-              </a:rPr>
-              <a:t>(other</a:t>
             </a:r>
             <a:r>
               <a:rPr lang="en-US" sz="1600" dirty="0">
                 <a:latin typeface="Consolas" panose="020B0609020204030204" pitchFamily="49" charset="0"/>
               </a:rPr>
-              <a:t>, </a:t>
+              <a:t>(other, </a:t>
             </a:r>
             <a:r>
               <a:rPr lang="en-US" sz="1600" dirty="0" err="1">
@@ -9245,17 +10263,8 @@
               <a:rPr lang="en-US" sz="1600" dirty="0">
                 <a:latin typeface="Consolas" panose="020B0609020204030204" pitchFamily="49" charset="0"/>
               </a:rPr>
-              <a:t>=False, sort=None</a:t>
-            </a:r>
-            <a:r>
-              <a:rPr lang="en-US" sz="1600" dirty="0" smtClean="0">
-                <a:latin typeface="Consolas" panose="020B0609020204030204" pitchFamily="49" charset="0"/>
-              </a:rPr>
-              <a:t>)</a:t>
-            </a:r>
-            <a:endParaRPr lang="en-US" sz="1600" dirty="0">
-              <a:latin typeface="Consolas" panose="020B0609020204030204" pitchFamily="49" charset="0"/>
-            </a:endParaRPr>
+              <a:t>=False, sort=None)</a:t>
+            </a:r>
           </a:p>
         </p:txBody>
       </p:sp>
@@ -9313,15 +10322,7 @@
             </a:r>
             <a:r>
               <a:rPr lang="en-US" dirty="0"/>
-              <a:t>-like object, or a list of </a:t>
-            </a:r>
-            <a:r>
-              <a:rPr lang="en-US" dirty="0" smtClean="0"/>
-              <a:t>these It </a:t>
-            </a:r>
-            <a:r>
-              <a:rPr lang="en-US" dirty="0"/>
-              <a:t>refers to the data to be appended.</a:t>
+              <a:t>-like object, or a list of these It refers to the data to be appended.</a:t>
             </a:r>
           </a:p>
           <a:p>
@@ -9398,13 +10399,8 @@
             </a:r>
             <a:r>
               <a:rPr lang="en-US" dirty="0"/>
-              <a:t> Explicitly for silence the warning and not the sort</a:t>
-            </a:r>
-            <a:r>
-              <a:rPr lang="en-US" dirty="0" smtClean="0"/>
-              <a:t>.</a:t>
-            </a:r>
-            <a:endParaRPr lang="en-US" dirty="0"/>
+              <a:t> Explicitly for silence the warning and not the sort.</a:t>
+            </a:r>
           </a:p>
         </p:txBody>
       </p:sp>
@@ -9463,13 +10459,8 @@
             <a:pPr algn="l"/>
             <a:r>
               <a:rPr lang="en-US" b="1" dirty="0"/>
-              <a:t>a</a:t>
-            </a:r>
-            <a:r>
-              <a:rPr lang="en-US" b="1" dirty="0" smtClean="0"/>
-              <a:t>ppend() : example 1</a:t>
-            </a:r>
-            <a:endParaRPr lang="en-US" b="1" dirty="0"/>
+              <a:t>append() : example 1</a:t>
+            </a:r>
           </a:p>
         </p:txBody>
       </p:sp>
@@ -9807,21 +10798,16 @@
             <a:pPr algn="l"/>
             <a:r>
               <a:rPr lang="en-US" b="1" dirty="0"/>
-              <a:t>aggregate() </a:t>
-            </a:r>
-            <a:r>
-              <a:rPr lang="en-US" b="1" dirty="0" smtClean="0"/>
-              <a:t>: [</a:t>
-            </a:r>
-            <a:r>
-              <a:rPr lang="en-US" b="1" dirty="0" err="1" smtClean="0"/>
+              <a:t>aggregate() : [</a:t>
+            </a:r>
+            <a:r>
+              <a:rPr lang="en-US" b="1" dirty="0" err="1"/>
               <a:t>sum,min,max</a:t>
             </a:r>
             <a:r>
-              <a:rPr lang="en-US" b="1" dirty="0" smtClean="0"/>
+              <a:rPr lang="en-US" b="1" dirty="0"/>
               <a:t>]</a:t>
             </a:r>
-            <a:endParaRPr lang="en-US" b="1" dirty="0"/>
           </a:p>
         </p:txBody>
       </p:sp>
@@ -9856,67 +10842,64 @@
               <a:buNone/>
             </a:pPr>
             <a:r>
-              <a:rPr lang="en-US" sz="1600" dirty="0" smtClean="0">
-                <a:latin typeface="Consolas" panose="020B0609020204030204" pitchFamily="49" charset="0"/>
-              </a:rPr>
-              <a:t>#Syntax</a:t>
-            </a:r>
-          </a:p>
-          <a:p>
-            <a:pPr marL="0" indent="0">
-              <a:buNone/>
-            </a:pPr>
-            <a:r>
-              <a:rPr lang="en-US" sz="1600" dirty="0" err="1" smtClean="0">
-                <a:latin typeface="Consolas" panose="020B0609020204030204" pitchFamily="49" charset="0"/>
-              </a:rPr>
-              <a:t>DataFrame.aggregate</a:t>
-            </a:r>
-            <a:r>
-              <a:rPr lang="en-US" sz="1600" dirty="0" smtClean="0">
-                <a:latin typeface="Consolas" panose="020B0609020204030204" pitchFamily="49" charset="0"/>
-              </a:rPr>
-              <a:t>(</a:t>
-            </a:r>
-            <a:r>
-              <a:rPr lang="en-US" sz="1600" dirty="0" err="1" smtClean="0">
-                <a:latin typeface="Consolas" panose="020B0609020204030204" pitchFamily="49" charset="0"/>
-              </a:rPr>
-              <a:t>func</a:t>
-            </a:r>
-            <a:r>
               <a:rPr lang="en-US" sz="1600" dirty="0">
                 <a:latin typeface="Consolas" panose="020B0609020204030204" pitchFamily="49" charset="0"/>
               </a:rPr>
-              <a:t>, axis=0, *</a:t>
-            </a:r>
+              <a:t>#Syntax</a:t>
+            </a:r>
+          </a:p>
+          <a:p>
+            <a:pPr marL="0" indent="0">
+              <a:buNone/>
+            </a:pPr>
             <a:r>
               <a:rPr lang="en-US" sz="1600" dirty="0" err="1">
                 <a:latin typeface="Consolas" panose="020B0609020204030204" pitchFamily="49" charset="0"/>
               </a:rPr>
-              <a:t>args</a:t>
+              <a:t>DataFrame.aggregate</a:t>
             </a:r>
             <a:r>
               <a:rPr lang="en-US" sz="1600" dirty="0">
                 <a:latin typeface="Consolas" panose="020B0609020204030204" pitchFamily="49" charset="0"/>
               </a:rPr>
-              <a:t>, **</a:t>
+              <a:t>(</a:t>
             </a:r>
             <a:r>
               <a:rPr lang="en-US" sz="1600" dirty="0" err="1">
                 <a:latin typeface="Consolas" panose="020B0609020204030204" pitchFamily="49" charset="0"/>
               </a:rPr>
-              <a:t>kwargs</a:t>
+              <a:t>func</a:t>
             </a:r>
             <a:r>
               <a:rPr lang="en-US" sz="1600" dirty="0">
                 <a:latin typeface="Consolas" panose="020B0609020204030204" pitchFamily="49" charset="0"/>
               </a:rPr>
+              <a:t>, axis=0, *</a:t>
+            </a:r>
+            <a:r>
+              <a:rPr lang="en-US" sz="1600" dirty="0" err="1">
+                <a:latin typeface="Consolas" panose="020B0609020204030204" pitchFamily="49" charset="0"/>
+              </a:rPr>
+              <a:t>args</a:t>
+            </a:r>
+            <a:r>
+              <a:rPr lang="en-US" sz="1600" dirty="0">
+                <a:latin typeface="Consolas" panose="020B0609020204030204" pitchFamily="49" charset="0"/>
+              </a:rPr>
+              <a:t>, **</a:t>
+            </a:r>
+            <a:r>
+              <a:rPr lang="en-US" sz="1600" dirty="0" err="1">
+                <a:latin typeface="Consolas" panose="020B0609020204030204" pitchFamily="49" charset="0"/>
+              </a:rPr>
+              <a:t>kwargs</a:t>
+            </a:r>
+            <a:r>
+              <a:rPr lang="en-US" sz="1600" dirty="0">
+                <a:latin typeface="Consolas" panose="020B0609020204030204" pitchFamily="49" charset="0"/>
+              </a:rPr>
               <a:t>) </a:t>
             </a:r>
-            <a:endParaRPr lang="en-US" sz="1600" dirty="0">
-              <a:latin typeface="Consolas" panose="020B0609020204030204" pitchFamily="49" charset="0"/>
-            </a:endParaRPr>
           </a:p>
         </p:txBody>
       </p:sp>
@@ -9969,7 +10952,7 @@
               <a:t>callables</a:t>
             </a:r>
             <a:r>
-              <a:rPr lang="en-US" dirty="0" smtClean="0"/>
+              <a:rPr lang="en-US" dirty="0"/>
               <a:t>.</a:t>
             </a:r>
           </a:p>
@@ -9985,11 +10968,7 @@
             </a:r>
             <a:r>
               <a:rPr lang="en-US" dirty="0"/>
-              <a:t> It refers to 0 or 'index', 1 or </a:t>
-            </a:r>
-            <a:r>
-              <a:rPr lang="en-US" dirty="0" smtClean="0"/>
-              <a:t>'columns‘</a:t>
+              <a:t> It refers to 0 or 'index', 1 or 'columns‘</a:t>
             </a:r>
           </a:p>
           <a:p>
@@ -10119,21 +11098,16 @@
             <a:pPr algn="l"/>
             <a:r>
               <a:rPr lang="en-US" b="1" dirty="0"/>
-              <a:t>aggregate() </a:t>
-            </a:r>
-            <a:r>
-              <a:rPr lang="en-US" b="1" dirty="0" smtClean="0"/>
-              <a:t>: [</a:t>
-            </a:r>
-            <a:r>
-              <a:rPr lang="en-US" b="1" dirty="0" err="1" smtClean="0"/>
+              <a:t>aggregate() : [</a:t>
+            </a:r>
+            <a:r>
+              <a:rPr lang="en-US" b="1" dirty="0" err="1"/>
               <a:t>sum,min,max</a:t>
             </a:r>
             <a:r>
-              <a:rPr lang="en-US" b="1" dirty="0" smtClean="0"/>
+              <a:rPr lang="en-US" b="1" dirty="0"/>
               <a:t>]</a:t>
             </a:r>
-            <a:endParaRPr lang="en-US" b="1" dirty="0"/>
           </a:p>
         </p:txBody>
       </p:sp>
@@ -10229,13 +11203,7 @@
               <a:rPr lang="en-US" sz="1600" dirty="0">
                 <a:latin typeface="Consolas" panose="020B0609020204030204" pitchFamily="49" charset="0"/>
               </a:rPr>
-              <a:t>([[1,5,7</a:t>
-            </a:r>
-            <a:r>
-              <a:rPr lang="en-US" sz="1600" dirty="0" smtClean="0">
-                <a:latin typeface="Consolas" panose="020B0609020204030204" pitchFamily="49" charset="0"/>
-              </a:rPr>
-              <a:t>],</a:t>
+              <a:t>([[1,5,7],</a:t>
             </a:r>
           </a:p>
           <a:p>
@@ -10246,25 +11214,18 @@
               <a:rPr lang="en-US" sz="1600" dirty="0">
                 <a:latin typeface="Consolas" panose="020B0609020204030204" pitchFamily="49" charset="0"/>
               </a:rPr>
-              <a:t>	</a:t>
-            </a:r>
-            <a:r>
-              <a:rPr lang="en-US" sz="1600" dirty="0" smtClean="0">
-                <a:latin typeface="Consolas" panose="020B0609020204030204" pitchFamily="49" charset="0"/>
-              </a:rPr>
-              <a:t>			[</a:t>
-            </a:r>
+              <a:t>				[10,12,15],</a:t>
+            </a:r>
+          </a:p>
+          <a:p>
+            <a:pPr marL="0" indent="0">
+              <a:buNone/>
+            </a:pPr>
             <a:r>
               <a:rPr lang="en-US" sz="1600" dirty="0">
                 <a:latin typeface="Consolas" panose="020B0609020204030204" pitchFamily="49" charset="0"/>
               </a:rPr>
-              <a:t>10,12,15</a:t>
-            </a:r>
-            <a:r>
-              <a:rPr lang="en-US" sz="1600" dirty="0" smtClean="0">
-                <a:latin typeface="Consolas" panose="020B0609020204030204" pitchFamily="49" charset="0"/>
-              </a:rPr>
-              <a:t>],</a:t>
+              <a:t>				[18,21,24],</a:t>
             </a:r>
           </a:p>
           <a:p>
@@ -10275,25 +11236,19 @@
               <a:rPr lang="en-US" sz="1600" dirty="0">
                 <a:latin typeface="Consolas" panose="020B0609020204030204" pitchFamily="49" charset="0"/>
               </a:rPr>
-              <a:t>	</a:t>
-            </a:r>
-            <a:r>
-              <a:rPr lang="en-US" sz="1600" dirty="0" smtClean="0">
+              <a:t>				[</a:t>
+            </a:r>
+            <a:r>
+              <a:rPr lang="en-US" sz="1600" dirty="0" err="1">
                 <a:latin typeface="Consolas" panose="020B0609020204030204" pitchFamily="49" charset="0"/>
               </a:rPr>
-              <a:t>			[</a:t>
+              <a:t>np.nan,np.nan,np.nan</a:t>
             </a:r>
             <a:r>
               <a:rPr lang="en-US" sz="1600" dirty="0">
                 <a:latin typeface="Consolas" panose="020B0609020204030204" pitchFamily="49" charset="0"/>
               </a:rPr>
-              <a:t>18,21,24</a:t>
-            </a:r>
-            <a:r>
-              <a:rPr lang="en-US" sz="1600" dirty="0" smtClean="0">
-                <a:latin typeface="Consolas" panose="020B0609020204030204" pitchFamily="49" charset="0"/>
-              </a:rPr>
-              <a:t>],</a:t>
+              <a:t>]],</a:t>
             </a:r>
           </a:p>
           <a:p>
@@ -10304,90 +11259,46 @@
               <a:rPr lang="en-US" sz="1600" dirty="0">
                 <a:latin typeface="Consolas" panose="020B0609020204030204" pitchFamily="49" charset="0"/>
               </a:rPr>
-              <a:t>	</a:t>
-            </a:r>
-            <a:r>
-              <a:rPr lang="en-US" sz="1600" dirty="0" smtClean="0">
-                <a:latin typeface="Consolas" panose="020B0609020204030204" pitchFamily="49" charset="0"/>
-              </a:rPr>
-              <a:t>			[</a:t>
-            </a:r>
+              <a:t>				columns=['X','Y','Z'])  </a:t>
+            </a:r>
+          </a:p>
+          <a:p>
+            <a:pPr marL="0" indent="0">
+              <a:buNone/>
+            </a:pPr>
             <a:r>
               <a:rPr lang="en-US" sz="1600" dirty="0" err="1">
                 <a:latin typeface="Consolas" panose="020B0609020204030204" pitchFamily="49" charset="0"/>
               </a:rPr>
-              <a:t>np.nan,np.nan,np.nan</a:t>
-            </a:r>
-            <a:r>
-              <a:rPr lang="en-US" sz="1600" dirty="0" smtClean="0">
+              <a:t>info.</a:t>
+            </a:r>
+            <a:r>
+              <a:rPr lang="en-US" sz="1600" dirty="0" err="1">
+                <a:solidFill>
+                  <a:srgbClr val="FF0000"/>
+                </a:solidFill>
                 <a:latin typeface="Consolas" panose="020B0609020204030204" pitchFamily="49" charset="0"/>
               </a:rPr>
-              <a:t>]],</a:t>
-            </a:r>
-          </a:p>
-          <a:p>
-            <a:pPr marL="0" indent="0">
-              <a:buNone/>
-            </a:pPr>
+              <a:t>agg</a:t>
+            </a:r>
             <a:r>
               <a:rPr lang="en-US" sz="1600" dirty="0">
                 <a:latin typeface="Consolas" panose="020B0609020204030204" pitchFamily="49" charset="0"/>
               </a:rPr>
-              <a:t>	</a:t>
-            </a:r>
-            <a:r>
-              <a:rPr lang="en-US" sz="1600" dirty="0" smtClean="0">
+              <a:t>(['</a:t>
+            </a:r>
+            <a:r>
+              <a:rPr lang="en-US" sz="1600" dirty="0" err="1">
                 <a:latin typeface="Consolas" panose="020B0609020204030204" pitchFamily="49" charset="0"/>
               </a:rPr>
-              <a:t>			columns</a:t>
+              <a:t>sum','min</a:t>
             </a:r>
             <a:r>
               <a:rPr lang="en-US" sz="1600" dirty="0">
                 <a:latin typeface="Consolas" panose="020B0609020204030204" pitchFamily="49" charset="0"/>
               </a:rPr>
-              <a:t>=['X','Y','Z'])  </a:t>
-            </a:r>
-          </a:p>
-          <a:p>
-            <a:pPr marL="0" indent="0">
-              <a:buNone/>
-            </a:pPr>
-            <a:r>
-              <a:rPr lang="en-US" sz="1600" dirty="0" err="1">
-                <a:latin typeface="Consolas" panose="020B0609020204030204" pitchFamily="49" charset="0"/>
-              </a:rPr>
-              <a:t>info.</a:t>
-            </a:r>
-            <a:r>
-              <a:rPr lang="en-US" sz="1600" dirty="0" err="1">
-                <a:solidFill>
-                  <a:srgbClr val="FF0000"/>
-                </a:solidFill>
-                <a:latin typeface="Consolas" panose="020B0609020204030204" pitchFamily="49" charset="0"/>
-              </a:rPr>
-              <a:t>agg</a:t>
-            </a:r>
-            <a:r>
-              <a:rPr lang="en-US" sz="1600" dirty="0">
-                <a:latin typeface="Consolas" panose="020B0609020204030204" pitchFamily="49" charset="0"/>
-              </a:rPr>
-              <a:t>(['</a:t>
-            </a:r>
-            <a:r>
-              <a:rPr lang="en-US" sz="1600" dirty="0" err="1">
-                <a:latin typeface="Consolas" panose="020B0609020204030204" pitchFamily="49" charset="0"/>
-              </a:rPr>
-              <a:t>sum','min</a:t>
-            </a:r>
-            <a:r>
-              <a:rPr lang="en-US" sz="1600" dirty="0">
-                <a:latin typeface="Consolas" panose="020B0609020204030204" pitchFamily="49" charset="0"/>
-              </a:rPr>
               <a:t>']) </a:t>
             </a:r>
-            <a:endParaRPr lang="en-US" sz="1600" dirty="0">
-              <a:latin typeface="Consolas" panose="020B0609020204030204" pitchFamily="49" charset="0"/>
-            </a:endParaRPr>
           </a:p>
         </p:txBody>
       </p:sp>
@@ -10469,10 +11380,9 @@
           <a:p>
             <a:pPr algn="l"/>
             <a:r>
-              <a:rPr lang="en-US" b="1" dirty="0" smtClean="0"/>
+              <a:rPr lang="en-US" b="1" dirty="0"/>
               <a:t>assign() :</a:t>
             </a:r>
-            <a:endParaRPr lang="en-US" b="1" dirty="0"/>
           </a:p>
         </p:txBody>
       </p:sp>
@@ -10516,32 +11426,23 @@
               <a:t>DataFrame</a:t>
             </a:r>
             <a:r>
-              <a:rPr lang="en-US" sz="1400" dirty="0" smtClean="0">
-                <a:latin typeface="Consolas" panose="020B0609020204030204" pitchFamily="49" charset="0"/>
-              </a:rPr>
-              <a:t>.</a:t>
-            </a:r>
-            <a:endParaRPr lang="en-US" sz="1400" dirty="0">
-              <a:latin typeface="Consolas" panose="020B0609020204030204" pitchFamily="49" charset="0"/>
-            </a:endParaRPr>
-          </a:p>
-          <a:p>
-            <a:r>
               <a:rPr lang="en-US" sz="1400" dirty="0">
                 <a:latin typeface="Consolas" panose="020B0609020204030204" pitchFamily="49" charset="0"/>
               </a:rPr>
-              <a:t>If we re-assign an existing column, then its value will be overwritten</a:t>
-            </a:r>
-            <a:r>
-              <a:rPr lang="en-US" sz="1400" dirty="0" smtClean="0">
+              <a:t>.</a:t>
+            </a:r>
+          </a:p>
+          <a:p>
+            <a:r>
+              <a:rPr lang="en-US" sz="1400" dirty="0">
                 <a:latin typeface="Consolas" panose="020B0609020204030204" pitchFamily="49" charset="0"/>
               </a:rPr>
-              <a:t>.</a:t>
-            </a:r>
-          </a:p>
-          <a:p>
-            <a:r>
-              <a:rPr lang="en-US" sz="1400" dirty="0" smtClean="0">
+              <a:t>If we re-assign an existing column, then its value will be overwritten.</a:t>
+            </a:r>
+          </a:p>
+          <a:p>
+            <a:r>
+              <a:rPr lang="en-US" sz="1400" dirty="0">
                 <a:latin typeface="Consolas" panose="020B0609020204030204" pitchFamily="49" charset="0"/>
               </a:rPr>
               <a:t>Syntax:</a:t>
@@ -10550,25 +11451,25 @@
           <a:p>
             <a:pPr lvl="1"/>
             <a:r>
-              <a:rPr lang="en-US" sz="1000" dirty="0" err="1" smtClean="0">
+              <a:rPr lang="en-US" sz="1000" dirty="0" err="1">
                 <a:latin typeface="Consolas" panose="020B0609020204030204" pitchFamily="49" charset="0"/>
               </a:rPr>
               <a:t>DataFrame.assign</a:t>
             </a:r>
             <a:r>
-              <a:rPr lang="en-US" sz="1000" dirty="0" smtClean="0">
+              <a:rPr lang="en-US" sz="1000" dirty="0">
                 <a:latin typeface="Consolas" panose="020B0609020204030204" pitchFamily="49" charset="0"/>
               </a:rPr>
               <a:t>(**</a:t>
             </a:r>
             <a:r>
-              <a:rPr lang="en-US" sz="1000" dirty="0" err="1" smtClean="0">
+              <a:rPr lang="en-US" sz="1000" dirty="0" err="1">
                 <a:latin typeface="Consolas" panose="020B0609020204030204" pitchFamily="49" charset="0"/>
               </a:rPr>
               <a:t>kwargs</a:t>
             </a:r>
             <a:r>
-              <a:rPr lang="en-US" sz="1000" dirty="0" smtClean="0">
+              <a:rPr lang="en-US" sz="1000" dirty="0">
                 <a:latin typeface="Consolas" panose="020B0609020204030204" pitchFamily="49" charset="0"/>
               </a:rPr>
               <a:t>)</a:t>
@@ -10587,9 +11488,6 @@
               </a:rPr>
               <a:t>: keywords are the column names. These keywords are assigned to the new column if the values are callable. If the values are not callable, they are simply assigned.</a:t>
             </a:r>
-            <a:endParaRPr lang="en-US" sz="1400" dirty="0" smtClean="0">
-              <a:latin typeface="Consolas" panose="020B0609020204030204" pitchFamily="49" charset="0"/>
-            </a:endParaRPr>
           </a:p>
         </p:txBody>
       </p:sp>
